--- a/SchulungsUnterlagen/HWZ/Programming_Tools.pptx
+++ b/SchulungsUnterlagen/HWZ/Programming_Tools.pptx
@@ -274,7 +274,7 @@
           <a:p>
             <a:fld id="{1D8BD707-D9CF-40AE-B4C6-C98DA3205C09}" type="datetimeFigureOut">
               <a:rPr lang="en-US"/>
-              <a:t>9/27/2020</a:t>
+              <a:t>9/28/2020</a:t>
             </a:fld>
             <a:endParaRPr lang="en-US"/>
           </a:p>
@@ -458,7 +458,7 @@
           <a:p>
             <a:fld id="{1D8BD707-D9CF-40AE-B4C6-C98DA3205C09}" type="datetimeFigureOut">
               <a:rPr lang="en-US"/>
-              <a:t>9/27/2020</a:t>
+              <a:t>9/28/2020</a:t>
             </a:fld>
             <a:endParaRPr lang="en-US"/>
           </a:p>
@@ -687,7 +687,7 @@
           <a:p>
             <a:fld id="{1D8BD707-D9CF-40AE-B4C6-C98DA3205C09}" type="datetimeFigureOut">
               <a:rPr lang="en-US"/>
-              <a:t>9/27/2020</a:t>
+              <a:t>9/28/2020</a:t>
             </a:fld>
             <a:endParaRPr lang="en-US"/>
           </a:p>
@@ -844,7 +844,7 @@
           <a:p>
             <a:fld id="{1D8BD707-D9CF-40AE-B4C6-C98DA3205C09}" type="datetimeFigureOut">
               <a:rPr lang="en-US"/>
-              <a:t>9/27/2020</a:t>
+              <a:t>9/28/2020</a:t>
             </a:fld>
             <a:endParaRPr lang="en-US"/>
           </a:p>
@@ -972,7 +972,7 @@
           <a:p>
             <a:fld id="{1D8BD707-D9CF-40AE-B4C6-C98DA3205C09}" type="datetimeFigureOut">
               <a:rPr lang="en-US"/>
-              <a:t>9/27/2020</a:t>
+              <a:t>9/28/2020</a:t>
             </a:fld>
             <a:endParaRPr lang="en-US"/>
           </a:p>
@@ -1233,7 +1233,7 @@
           <a:p>
             <a:fld id="{1D8BD707-D9CF-40AE-B4C6-C98DA3205C09}" type="datetimeFigureOut">
               <a:rPr lang="en-US"/>
-              <a:t>9/27/2020</a:t>
+              <a:t>9/28/2020</a:t>
             </a:fld>
             <a:endParaRPr lang="en-US"/>
           </a:p>
@@ -1601,7 +1601,27 @@
                 <a:latin typeface="Arial"/>
                 <a:cs typeface="Arial"/>
               </a:rPr>
-              <a:t>Stand: 26.9.2020</a:t>
+              <a:t>Stand</a:t>
+            </a:r>
+            <a:r>
+              <a:rPr lang="de-CH" sz="1800" spc="-5" smtClean="0">
+                <a:solidFill>
+                  <a:srgbClr val="00529F"/>
+                </a:solidFill>
+                <a:latin typeface="Arial"/>
+                <a:cs typeface="Arial"/>
+              </a:rPr>
+              <a:t>: </a:t>
+            </a:r>
+            <a:r>
+              <a:rPr lang="de-CH" sz="1800" spc="-5" smtClean="0">
+                <a:solidFill>
+                  <a:srgbClr val="00529F"/>
+                </a:solidFill>
+                <a:latin typeface="Arial"/>
+                <a:cs typeface="Arial"/>
+              </a:rPr>
+              <a:t>27.9.2020</a:t>
             </a:r>
             <a:endParaRPr sz="1800" dirty="0">
               <a:latin typeface="Arial"/>
@@ -5804,14 +5824,7 @@
                 <a:latin typeface="Arial"/>
                 <a:cs typeface="Arial"/>
               </a:rPr>
-              <a:t>Methoden</a:t>
-            </a:r>
-            <a:r>
-              <a:rPr lang="de-CH" sz="2000" spc="-5" dirty="0" smtClean="0">
-                <a:latin typeface="Arial"/>
-                <a:cs typeface="Arial"/>
-              </a:rPr>
-              <a:t> «verändern» oder «lesen» den Zustand (Instance-Variablen) eines Objektes</a:t>
+              <a:t>Methoden «verändern» oder «lesen» den Zustand (Instance-Variablen) eines Objektes</a:t>
             </a:r>
           </a:p>
           <a:p>

--- a/SchulungsUnterlagen/HWZ/Programming_Tools.pptx
+++ b/SchulungsUnterlagen/HWZ/Programming_Tools.pptx
@@ -274,7 +274,7 @@
           <a:p>
             <a:fld id="{1D8BD707-D9CF-40AE-B4C6-C98DA3205C09}" type="datetimeFigureOut">
               <a:rPr lang="en-US"/>
-              <a:t>9/28/2020</a:t>
+              <a:t>9/29/2020</a:t>
             </a:fld>
             <a:endParaRPr lang="en-US"/>
           </a:p>
@@ -458,7 +458,7 @@
           <a:p>
             <a:fld id="{1D8BD707-D9CF-40AE-B4C6-C98DA3205C09}" type="datetimeFigureOut">
               <a:rPr lang="en-US"/>
-              <a:t>9/28/2020</a:t>
+              <a:t>9/29/2020</a:t>
             </a:fld>
             <a:endParaRPr lang="en-US"/>
           </a:p>
@@ -687,7 +687,7 @@
           <a:p>
             <a:fld id="{1D8BD707-D9CF-40AE-B4C6-C98DA3205C09}" type="datetimeFigureOut">
               <a:rPr lang="en-US"/>
-              <a:t>9/28/2020</a:t>
+              <a:t>9/29/2020</a:t>
             </a:fld>
             <a:endParaRPr lang="en-US"/>
           </a:p>
@@ -844,7 +844,7 @@
           <a:p>
             <a:fld id="{1D8BD707-D9CF-40AE-B4C6-C98DA3205C09}" type="datetimeFigureOut">
               <a:rPr lang="en-US"/>
-              <a:t>9/28/2020</a:t>
+              <a:t>9/29/2020</a:t>
             </a:fld>
             <a:endParaRPr lang="en-US"/>
           </a:p>
@@ -972,7 +972,7 @@
           <a:p>
             <a:fld id="{1D8BD707-D9CF-40AE-B4C6-C98DA3205C09}" type="datetimeFigureOut">
               <a:rPr lang="en-US"/>
-              <a:t>9/28/2020</a:t>
+              <a:t>9/29/2020</a:t>
             </a:fld>
             <a:endParaRPr lang="en-US"/>
           </a:p>
@@ -1233,7 +1233,7 @@
           <a:p>
             <a:fld id="{1D8BD707-D9CF-40AE-B4C6-C98DA3205C09}" type="datetimeFigureOut">
               <a:rPr lang="en-US"/>
-              <a:t>9/28/2020</a:t>
+              <a:t>9/29/2020</a:t>
             </a:fld>
             <a:endParaRPr lang="en-US"/>
           </a:p>
@@ -1611,17 +1611,7 @@
                 <a:latin typeface="Arial"/>
                 <a:cs typeface="Arial"/>
               </a:rPr>
-              <a:t>: </a:t>
-            </a:r>
-            <a:r>
-              <a:rPr lang="de-CH" sz="1800" spc="-5" smtClean="0">
-                <a:solidFill>
-                  <a:srgbClr val="00529F"/>
-                </a:solidFill>
-                <a:latin typeface="Arial"/>
-                <a:cs typeface="Arial"/>
-              </a:rPr>
-              <a:t>27.9.2020</a:t>
+              <a:t>: 27.9.2020</a:t>
             </a:r>
             <a:endParaRPr sz="1800" dirty="0">
               <a:latin typeface="Arial"/>
@@ -5713,7 +5703,7 @@
                 <a:latin typeface="Consolas"/>
                 <a:cs typeface="Consolas"/>
               </a:rPr>
-              <a:t>flash</a:t>
+              <a:t>flush</a:t>
             </a:r>
             <a:r>
               <a:rPr lang="de-CH" sz="1400" spc="-5" dirty="0" smtClean="0">
@@ -5723,11 +5713,18 @@
               <a:t>=</a:t>
             </a:r>
             <a:r>
-              <a:rPr lang="de-CH" sz="1400" spc="-5" dirty="0" err="1" smtClean="0">
+              <a:rPr lang="de-CH" sz="1400" spc="-5" dirty="0" smtClean="0">
                 <a:latin typeface="Consolas"/>
                 <a:cs typeface="Consolas"/>
               </a:rPr>
-              <a:t>true</a:t>
+              <a:t>T</a:t>
+            </a:r>
+            <a:r>
+              <a:rPr lang="de-CH" sz="1400" spc="-5" dirty="0" smtClean="0">
+                <a:latin typeface="Consolas"/>
+                <a:cs typeface="Consolas"/>
+              </a:rPr>
+              <a:t>rue</a:t>
             </a:r>
             <a:r>
               <a:rPr lang="de-CH" sz="1400" spc="-5" dirty="0" smtClean="0">
@@ -5851,7 +5848,21 @@
                 <a:latin typeface="Consolas"/>
                 <a:cs typeface="Consolas"/>
               </a:rPr>
-              <a:t>‘Dies {p1=12.2f} </a:t>
+              <a:t>‘Dies {</a:t>
+            </a:r>
+            <a:r>
+              <a:rPr lang="de-CH" sz="1400" spc="-5" dirty="0" smtClean="0">
+                <a:latin typeface="Consolas"/>
+                <a:cs typeface="Consolas"/>
+              </a:rPr>
+              <a:t>p1:12.2f</a:t>
+            </a:r>
+            <a:r>
+              <a:rPr lang="de-CH" sz="1400" spc="-5" dirty="0">
+                <a:latin typeface="Consolas"/>
+                <a:cs typeface="Consolas"/>
+              </a:rPr>
+              <a:t>} </a:t>
             </a:r>
             <a:r>
               <a:rPr lang="de-CH" sz="1400" spc="-5" dirty="0" smtClean="0">

--- a/SchulungsUnterlagen/HWZ/Programming_Tools.pptx
+++ b/SchulungsUnterlagen/HWZ/Programming_Tools.pptx
@@ -274,7 +274,7 @@
           <a:p>
             <a:fld id="{1D8BD707-D9CF-40AE-B4C6-C98DA3205C09}" type="datetimeFigureOut">
               <a:rPr lang="en-US"/>
-              <a:t>9/29/2020</a:t>
+              <a:t>10/19/2021</a:t>
             </a:fld>
             <a:endParaRPr lang="en-US"/>
           </a:p>
@@ -458,7 +458,7 @@
           <a:p>
             <a:fld id="{1D8BD707-D9CF-40AE-B4C6-C98DA3205C09}" type="datetimeFigureOut">
               <a:rPr lang="en-US"/>
-              <a:t>9/29/2020</a:t>
+              <a:t>10/19/2021</a:t>
             </a:fld>
             <a:endParaRPr lang="en-US"/>
           </a:p>
@@ -687,7 +687,7 @@
           <a:p>
             <a:fld id="{1D8BD707-D9CF-40AE-B4C6-C98DA3205C09}" type="datetimeFigureOut">
               <a:rPr lang="en-US"/>
-              <a:t>9/29/2020</a:t>
+              <a:t>10/19/2021</a:t>
             </a:fld>
             <a:endParaRPr lang="en-US"/>
           </a:p>
@@ -844,7 +844,7 @@
           <a:p>
             <a:fld id="{1D8BD707-D9CF-40AE-B4C6-C98DA3205C09}" type="datetimeFigureOut">
               <a:rPr lang="en-US"/>
-              <a:t>9/29/2020</a:t>
+              <a:t>10/19/2021</a:t>
             </a:fld>
             <a:endParaRPr lang="en-US"/>
           </a:p>
@@ -972,7 +972,7 @@
           <a:p>
             <a:fld id="{1D8BD707-D9CF-40AE-B4C6-C98DA3205C09}" type="datetimeFigureOut">
               <a:rPr lang="en-US"/>
-              <a:t>9/29/2020</a:t>
+              <a:t>10/19/2021</a:t>
             </a:fld>
             <a:endParaRPr lang="en-US"/>
           </a:p>
@@ -1233,7 +1233,7 @@
           <a:p>
             <a:fld id="{1D8BD707-D9CF-40AE-B4C6-C98DA3205C09}" type="datetimeFigureOut">
               <a:rPr lang="en-US"/>
-              <a:t>9/29/2020</a:t>
+              <a:t>10/19/2021</a:t>
             </a:fld>
             <a:endParaRPr lang="en-US"/>
           </a:p>
@@ -5533,7 +5533,7 @@
         <p:spPr>
           <a:xfrm>
             <a:off x="228601" y="1219200"/>
-            <a:ext cx="8537577" cy="5047536"/>
+            <a:ext cx="8537577" cy="5355312"/>
           </a:xfrm>
           <a:prstGeom prst="rect">
             <a:avLst/>
@@ -5601,7 +5601,21 @@
                 <a:latin typeface="Arial"/>
                 <a:cs typeface="Arial"/>
               </a:rPr>
-              <a:t>-Argumente (Parameter)einen Funktions-Wert (Return-Value) und haben keine Seiteneffekte (verändern von globalen Variablen)</a:t>
+              <a:t>-Argumente (Parameter</a:t>
+            </a:r>
+            <a:r>
+              <a:rPr lang="de-CH" sz="2000" spc="-5" dirty="0" smtClean="0">
+                <a:latin typeface="Arial"/>
+                <a:cs typeface="Arial"/>
+              </a:rPr>
+              <a:t>) einen </a:t>
+            </a:r>
+            <a:r>
+              <a:rPr lang="de-CH" sz="2000" spc="-5" dirty="0">
+                <a:latin typeface="Arial"/>
+                <a:cs typeface="Arial"/>
+              </a:rPr>
+              <a:t>Funktions-Wert (Return-Value) und haben keine Seiteneffekte (verändern von globalen Variablen)</a:t>
             </a:r>
           </a:p>
           <a:p>
@@ -5620,12 +5634,43 @@
               </a:tabLst>
             </a:pPr>
             <a:r>
+              <a:rPr lang="de-CH" sz="2000" spc="-5" dirty="0" smtClean="0">
+                <a:latin typeface="Arial"/>
+                <a:cs typeface="Arial"/>
+              </a:rPr>
+              <a:t>Zusammengefasste </a:t>
+            </a:r>
+            <a:r>
               <a:rPr lang="de-CH" sz="2000" spc="-5" dirty="0">
                 <a:latin typeface="Arial"/>
                 <a:cs typeface="Arial"/>
               </a:rPr>
-              <a:t>Zusammengefasst Funktionen in einem Module nennt man Libraries</a:t>
-            </a:r>
+              <a:t>Funktionen in einem </a:t>
+            </a:r>
+            <a:r>
+              <a:rPr lang="de-CH" sz="2000" spc="-5" dirty="0" smtClean="0">
+                <a:latin typeface="Arial"/>
+                <a:cs typeface="Arial"/>
+              </a:rPr>
+              <a:t>separaten File:</a:t>
+            </a:r>
+            <a:br>
+              <a:rPr lang="de-CH" sz="2000" spc="-5" dirty="0" smtClean="0">
+                <a:latin typeface="Arial"/>
+                <a:cs typeface="Arial"/>
+              </a:rPr>
+            </a:br>
+            <a:r>
+              <a:rPr lang="de-CH" sz="2000" spc="-5" dirty="0" smtClean="0">
+                <a:latin typeface="Arial"/>
+                <a:cs typeface="Arial"/>
+              </a:rPr>
+              <a:t>nennt man Module oder Libraries</a:t>
+            </a:r>
+            <a:endParaRPr lang="de-CH" sz="2000" spc="-5" dirty="0">
+              <a:latin typeface="Arial"/>
+              <a:cs typeface="Arial"/>
+            </a:endParaRPr>
           </a:p>
           <a:p>
             <a:pPr marL="451484" indent="-439420">
@@ -5710,28 +5755,7 @@
                 <a:latin typeface="Consolas"/>
                 <a:cs typeface="Consolas"/>
               </a:rPr>
-              <a:t>=</a:t>
-            </a:r>
-            <a:r>
-              <a:rPr lang="de-CH" sz="1400" spc="-5" dirty="0" smtClean="0">
-                <a:latin typeface="Consolas"/>
-                <a:cs typeface="Consolas"/>
-              </a:rPr>
-              <a:t>T</a:t>
-            </a:r>
-            <a:r>
-              <a:rPr lang="de-CH" sz="1400" spc="-5" dirty="0" smtClean="0">
-                <a:latin typeface="Consolas"/>
-                <a:cs typeface="Consolas"/>
-              </a:rPr>
-              <a:t>rue</a:t>
-            </a:r>
-            <a:r>
-              <a:rPr lang="de-CH" sz="1400" spc="-5" dirty="0" smtClean="0">
-                <a:latin typeface="Consolas"/>
-                <a:cs typeface="Consolas"/>
-              </a:rPr>
-              <a:t>)</a:t>
+              <a:t>=True)</a:t>
             </a:r>
             <a:endParaRPr lang="de-CH" sz="1400" spc="-5" dirty="0">
               <a:latin typeface="Consolas"/>
@@ -8783,11 +8807,25 @@
               <a:t>Positional</a:t>
             </a:r>
             <a:r>
+              <a:rPr lang="de-CH" sz="2000" spc="-5" dirty="0">
+                <a:latin typeface="Arial"/>
+                <a:cs typeface="Arial"/>
+              </a:rPr>
+              <a:t>-</a:t>
+            </a:r>
+            <a:r>
               <a:rPr lang="de-CH" sz="2000" spc="-5" dirty="0" smtClean="0">
                 <a:latin typeface="Arial"/>
                 <a:cs typeface="Arial"/>
               </a:rPr>
-              <a:t> Parameter anschliessend nur </a:t>
+              <a:t>Parameter </a:t>
+            </a:r>
+            <a:r>
+              <a:rPr lang="de-CH" sz="2000" spc="-5" dirty="0" smtClean="0">
+                <a:latin typeface="Arial"/>
+                <a:cs typeface="Arial"/>
+              </a:rPr>
+              <a:t>anschliessend nur </a:t>
             </a:r>
             <a:r>
               <a:rPr lang="de-CH" sz="2000" spc="-5" dirty="0" err="1" smtClean="0">
